--- a/agile moves/Tomatoes (TOM)/ger_TOM_07_Wieviel_passt_in_eine_Tomate.pptx
+++ b/agile moves/Tomatoes (TOM)/ger_TOM_07_Wieviel_passt_in_eine_Tomate.pptx
@@ -504,7 +504,7 @@
                 <a:latin typeface="Avenir Heavy"/>
                 <a:cs typeface="Avenir Heavy"/>
               </a:rPr>
-              <a:t>TR	AININGS</a:t>
+              <a:t>TRAININGS</a:t>
             </a:r>
             <a:r>
               <a:rPr lang="de-DE" sz="2400" dirty="0" smtClean="0">
@@ -810,6 +810,53 @@
       </p:grpSpPr>
       <p:sp>
         <p:nvSpPr>
+          <p:cNvPr id="12" name="Rechteck 11"/>
+          <p:cNvSpPr/>
+          <p:nvPr/>
+        </p:nvSpPr>
+        <p:spPr>
+          <a:xfrm>
+            <a:off x="0" y="0"/>
+            <a:ext cx="7562850" cy="5330825"/>
+          </a:xfrm>
+          <a:prstGeom prst="rect">
+            <a:avLst/>
+          </a:prstGeom>
+          <a:noFill/>
+          <a:ln>
+            <a:solidFill>
+              <a:schemeClr val="bg1">
+                <a:lumMod val="75000"/>
+              </a:schemeClr>
+            </a:solidFill>
+          </a:ln>
+          <a:effectLst/>
+        </p:spPr>
+        <p:style>
+          <a:lnRef idx="1">
+            <a:schemeClr val="accent1"/>
+          </a:lnRef>
+          <a:fillRef idx="3">
+            <a:schemeClr val="accent1"/>
+          </a:fillRef>
+          <a:effectRef idx="2">
+            <a:schemeClr val="accent1"/>
+          </a:effectRef>
+          <a:fontRef idx="minor">
+            <a:schemeClr val="lt1"/>
+          </a:fontRef>
+        </p:style>
+        <p:txBody>
+          <a:bodyPr rtlCol="0" anchor="ctr"/>
+          <a:lstStyle/>
+          <a:p>
+            <a:pPr algn="ctr"/>
+            <a:endParaRPr lang="de-DE"/>
+          </a:p>
+        </p:txBody>
+      </p:sp>
+      <p:sp>
+        <p:nvSpPr>
           <p:cNvPr id="2" name="Titelplatzhalter 1"/>
           <p:cNvSpPr>
             <a:spLocks noGrp="1"/>
@@ -1179,7 +1226,27 @@
                 <a:latin typeface="Avenir Heavy"/>
                 <a:cs typeface="Avenir Heavy"/>
               </a:rPr>
-              <a:t>TOM-07</a:t>
+              <a:t>TOM</a:t>
+            </a:r>
+            <a:r>
+              <a:rPr lang="de-DE" sz="1050" b="1" baseline="0" dirty="0" smtClean="0">
+                <a:solidFill>
+                  <a:schemeClr val="bg1"/>
+                </a:solidFill>
+                <a:latin typeface="Avenir Heavy"/>
+                <a:cs typeface="Avenir Heavy"/>
+              </a:rPr>
+              <a:t> </a:t>
+            </a:r>
+            <a:r>
+              <a:rPr lang="de-DE" sz="1050" b="1" dirty="0" smtClean="0">
+                <a:solidFill>
+                  <a:schemeClr val="bg1"/>
+                </a:solidFill>
+                <a:latin typeface="Avenir Heavy"/>
+                <a:cs typeface="Avenir Heavy"/>
+              </a:rPr>
+              <a:t>07</a:t>
             </a:r>
             <a:endParaRPr lang="de-DE" sz="1050" b="1" dirty="0">
               <a:solidFill>
@@ -1220,53 +1287,6 @@
           </a:prstGeom>
         </p:spPr>
       </p:pic>
-      <p:sp>
-        <p:nvSpPr>
-          <p:cNvPr id="12" name="Rechteck 11"/>
-          <p:cNvSpPr/>
-          <p:nvPr/>
-        </p:nvSpPr>
-        <p:spPr>
-          <a:xfrm>
-            <a:off x="0" y="0"/>
-            <a:ext cx="7562850" cy="5330825"/>
-          </a:xfrm>
-          <a:prstGeom prst="rect">
-            <a:avLst/>
-          </a:prstGeom>
-          <a:noFill/>
-          <a:ln>
-            <a:solidFill>
-              <a:schemeClr val="bg1">
-                <a:lumMod val="75000"/>
-              </a:schemeClr>
-            </a:solidFill>
-          </a:ln>
-          <a:effectLst/>
-        </p:spPr>
-        <p:style>
-          <a:lnRef idx="1">
-            <a:schemeClr val="accent1"/>
-          </a:lnRef>
-          <a:fillRef idx="3">
-            <a:schemeClr val="accent1"/>
-          </a:fillRef>
-          <a:effectRef idx="2">
-            <a:schemeClr val="accent1"/>
-          </a:effectRef>
-          <a:fontRef idx="minor">
-            <a:schemeClr val="lt1"/>
-          </a:fontRef>
-        </p:style>
-        <p:txBody>
-          <a:bodyPr rtlCol="0" anchor="ctr"/>
-          <a:lstStyle/>
-          <a:p>
-            <a:pPr algn="ctr"/>
-            <a:endParaRPr lang="de-DE"/>
-          </a:p>
-        </p:txBody>
-      </p:sp>
     </p:spTree>
     <p:extLst>
       <p:ext uri="{BB962C8B-B14F-4D97-AF65-F5344CB8AC3E}">

--- a/agile moves/Tomatoes (TOM)/ger_TOM_07_Wieviel_passt_in_eine_Tomate.pptx
+++ b/agile moves/Tomatoes (TOM)/ger_TOM_07_Wieviel_passt_in_eine_Tomate.pptx
@@ -725,7 +725,7 @@
           <a:p>
             <a:fld id="{FF5B2BAF-DF38-0A48-A798-0C06E514FD52}" type="datetimeFigureOut">
               <a:rPr lang="de-DE" smtClean="0"/>
-              <a:t>29.05.15</a:t>
+              <a:t>09.07.15</a:t>
             </a:fld>
             <a:endParaRPr lang="de-DE" dirty="0"/>
           </a:p>
@@ -995,7 +995,7 @@
           <a:p>
             <a:fld id="{FF5B2BAF-DF38-0A48-A798-0C06E514FD52}" type="datetimeFigureOut">
               <a:rPr lang="de-DE" smtClean="0"/>
-              <a:t>29.05.15</a:t>
+              <a:t>09.07.15</a:t>
             </a:fld>
             <a:endParaRPr lang="de-DE" dirty="0"/>
           </a:p>
@@ -1652,7 +1652,7 @@
         <p:spPr>
           <a:xfrm>
             <a:off x="858838" y="1568451"/>
-            <a:ext cx="6467504" cy="3555015"/>
+            <a:ext cx="6608762" cy="3555015"/>
           </a:xfrm>
         </p:spPr>
         <p:txBody>
@@ -1671,7 +1671,15 @@
             </a:pPr>
             <a:r>
               <a:rPr lang="de-DE" dirty="0"/>
-              <a:t>Bei den meisten Aufgaben, die man täglich bewältigt, achtet man nicht genau auf die Zeit. Man kombiniert vielleicht verschiedenen Tätigkeiten, macht dies und das und schwupp...ist die Zeit vorbei. </a:t>
+              <a:t>Bei den meisten Aufgaben, die man täglich bewältigt, achtet man nicht genau auf die Zeit. Man kombiniert vielleicht </a:t>
+            </a:r>
+            <a:r>
+              <a:rPr lang="de-DE" dirty="0" smtClean="0"/>
+              <a:t>verschiedene </a:t>
+            </a:r>
+            <a:r>
+              <a:rPr lang="de-DE" dirty="0"/>
+              <a:t>Tätigkeiten, macht dies und das und schwupp...ist die Zeit vorbei. </a:t>
             </a:r>
           </a:p>
           <a:p>
@@ -1685,7 +1693,15 @@
             </a:pPr>
             <a:r>
               <a:rPr lang="de-DE" dirty="0"/>
-              <a:t>Wenn ich mir einen </a:t>
+              <a:t>Wenn ich mir </a:t>
+            </a:r>
+            <a:r>
+              <a:rPr lang="de-DE" dirty="0" smtClean="0"/>
+              <a:t>ein Zeitfenster setze und einen</a:t>
+            </a:r>
+            <a:r>
+              <a:rPr lang="de-DE" dirty="0"/>
+              <a:t> </a:t>
             </a:r>
             <a:r>
               <a:rPr lang="de-DE" dirty="0" err="1"/>
@@ -1693,16 +1709,95 @@
             </a:r>
             <a:r>
               <a:rPr lang="de-DE" dirty="0"/>
-              <a:t> stelle, der mir mein Zeitfenster runterzählt, kann ich ein Gefühl dafür entwickeln, wie lange z. B. 25 Minuten sind und </a:t>
+              <a:t> stelle, </a:t>
+            </a:r>
+            <a:r>
+              <a:rPr lang="de-DE" dirty="0" smtClean="0"/>
+              <a:t>der mir ein Signal gibt, wenn es vorüber ist, </a:t>
+            </a:r>
+            <a:r>
+              <a:rPr lang="de-DE" dirty="0"/>
+              <a:t>kann </a:t>
+            </a:r>
+            <a:r>
+              <a:rPr lang="de-DE" dirty="0" smtClean="0"/>
+              <a:t>ich</a:t>
+            </a:r>
+            <a:br>
+              <a:rPr lang="de-DE" dirty="0" smtClean="0"/>
+            </a:br>
+            <a:r>
+              <a:rPr lang="de-DE" dirty="0" smtClean="0"/>
+              <a:t> </a:t>
+            </a:r>
+            <a:r>
+              <a:rPr lang="de-DE" dirty="0"/>
+              <a:t>ein Gefühl dafür entwickeln, </a:t>
+            </a:r>
+            <a:r>
+              <a:rPr lang="de-DE" dirty="0" smtClean="0"/>
+              <a:t>wie </a:t>
+            </a:r>
+            <a:r>
+              <a:rPr lang="de-DE" dirty="0"/>
+              <a:t>lange z. B. 25 Minuten sind und </a:t>
+            </a:r>
+            <a:r>
+              <a:rPr lang="de-DE" dirty="0" smtClean="0"/>
+              <a:t>wie viel </a:t>
+            </a:r>
+            <a:r>
+              <a:rPr lang="de-DE" dirty="0"/>
+              <a:t>ich in dieser Zeit wirklich </a:t>
+            </a:r>
+            <a:r>
+              <a:rPr lang="de-DE" dirty="0" smtClean="0"/>
+              <a:t>schaffe. </a:t>
+            </a:r>
+            <a:br>
+              <a:rPr lang="de-DE" dirty="0" smtClean="0"/>
+            </a:br>
+            <a:r>
+              <a:rPr lang="de-DE" dirty="0" smtClean="0"/>
+              <a:t>Wir nennen diese Zeitfenster „Tomaten“ nach der </a:t>
             </a:r>
             <a:r>
               <a:rPr lang="de-DE" dirty="0" err="1"/>
-              <a:t>wieviel</a:t>
-            </a:r>
-            <a:r>
-              <a:rPr lang="de-DE" dirty="0"/>
-              <a:t> ich in dieser Zeit wirklich schaffe.</a:t>
-            </a:r>
+              <a:t>Pomodoro</a:t>
+            </a:r>
+            <a:r>
+              <a:rPr lang="de-DE" dirty="0"/>
+              <a:t> </a:t>
+            </a:r>
+            <a:r>
+              <a:rPr lang="de-DE" dirty="0" err="1"/>
+              <a:t>Technique</a:t>
+            </a:r>
+            <a:r>
+              <a:rPr lang="de-DE" dirty="0"/>
+              <a:t>® </a:t>
+            </a:r>
+            <a:r>
+              <a:rPr lang="de-DE" baseline="30000" dirty="0" smtClean="0"/>
+              <a:t>1 </a:t>
+            </a:r>
+            <a:r>
+              <a:rPr lang="de-DE" sz="1100" dirty="0"/>
+              <a:t>von </a:t>
+            </a:r>
+            <a:r>
+              <a:rPr lang="de-DE" sz="1100" dirty="0" smtClean="0"/>
+              <a:t>Francesco </a:t>
+            </a:r>
+            <a:r>
+              <a:rPr lang="de-DE" sz="1100" dirty="0" err="1"/>
+              <a:t>Cirillo</a:t>
+            </a:r>
+            <a:r>
+              <a:rPr lang="de-DE" sz="1100" dirty="0" smtClean="0"/>
+              <a:t>.</a:t>
+            </a:r>
+            <a:endParaRPr lang="de-DE" sz="1100" dirty="0"/>
           </a:p>
           <a:p>
             <a:pPr>
@@ -1715,11 +1810,11 @@
             </a:pPr>
             <a:r>
               <a:rPr lang="de-DE" dirty="0" smtClean="0"/>
-              <a:t>Dieser </a:t>
-            </a:r>
-            <a:r>
-              <a:rPr lang="de-DE" dirty="0"/>
-              <a:t>Move könnte auch 5 Minuten in den Fokus nehmen oder 10. 25 Minuten </a:t>
+              <a:t>Eine Tomate kann auch 5 oder 10 Minuten dauern. 25 </a:t>
+            </a:r>
+            <a:r>
+              <a:rPr lang="de-DE" dirty="0"/>
+              <a:t>Minuten </a:t>
             </a:r>
             <a:r>
               <a:rPr lang="de-DE" dirty="0" smtClean="0"/>
@@ -1745,7 +1840,27 @@
             </a:r>
             <a:r>
               <a:rPr lang="de-DE" dirty="0"/>
-              <a:t>geht nicht darum 25 min. mit Vollgas zu arbeiten, sondern in einen kontinuierlichen Fluss zu kommen.  </a:t>
+              <a:t>geht nicht </a:t>
+            </a:r>
+            <a:r>
+              <a:rPr lang="de-DE" dirty="0" smtClean="0"/>
+              <a:t>darum, </a:t>
+            </a:r>
+            <a:r>
+              <a:rPr lang="de-DE" dirty="0"/>
+              <a:t>25 min. mit Vollgas zu arbeiten, sondern </a:t>
+            </a:r>
+            <a:r>
+              <a:rPr lang="de-DE" dirty="0" smtClean="0"/>
+              <a:t>konzentriert in </a:t>
+            </a:r>
+            <a:r>
+              <a:rPr lang="de-DE" dirty="0"/>
+              <a:t>einen kontinuierlichen Fluss zu </a:t>
+            </a:r>
+            <a:r>
+              <a:rPr lang="de-DE" dirty="0" smtClean="0"/>
+              <a:t>kommen.</a:t>
             </a:r>
           </a:p>
           <a:p>
@@ -1759,7 +1874,22 @@
             </a:pPr>
             <a:r>
               <a:rPr lang="de-DE" dirty="0"/>
-              <a:t>Man kann vergleichen, wie es ist, wenn man sich nur auf eine Tätigkeit konzentriert oder wenn man mehrere Sachen gleichzeitig macht. Wann ist man effizienter und/oder effektiver?</a:t>
+              <a:t>Bei einem so genau definierten zeitlichen Rahmen kann ich feststellen, wie lange ich mich konzentrieren kann </a:t>
+            </a:r>
+            <a:r>
+              <a:rPr lang="de-DE" dirty="0" smtClean="0"/>
+              <a:t/>
+            </a:r>
+            <a:br>
+              <a:rPr lang="de-DE" dirty="0" smtClean="0"/>
+            </a:br>
+            <a:r>
+              <a:rPr lang="de-DE" dirty="0" smtClean="0"/>
+              <a:t>oder ob </a:t>
+            </a:r>
+            <a:r>
+              <a:rPr lang="de-DE" dirty="0"/>
+              <a:t>die gewählte Zeitspanne für gewisse Aufgaben zu kurz oder zu lang ist.</a:t>
             </a:r>
           </a:p>
           <a:p>
@@ -1772,8 +1902,51 @@
               </a:spcBef>
             </a:pPr>
             <a:r>
-              <a:rPr lang="de-DE" dirty="0"/>
-              <a:t>Bei einem so genau definierten zeitlichen Rahmen kann ich feststellen, ob ich mich so lange konzentrieren kann oder ob die gewählte Zeitspanne für gewisse Aufgaben zu kurz oder zu lang ist.</a:t>
+              <a:rPr lang="de-DE" dirty="0" smtClean="0"/>
+              <a:t>Ich kann dabei auch vergleichen</a:t>
+            </a:r>
+            <a:r>
+              <a:rPr lang="de-DE" dirty="0"/>
+              <a:t>, wie es ist, wenn </a:t>
+            </a:r>
+            <a:r>
+              <a:rPr lang="de-DE" dirty="0" smtClean="0"/>
+              <a:t>ich mich </a:t>
+            </a:r>
+            <a:r>
+              <a:rPr lang="de-DE" dirty="0"/>
+              <a:t>nur auf eine Tätigkeit </a:t>
+            </a:r>
+            <a:r>
+              <a:rPr lang="de-DE" dirty="0" smtClean="0"/>
+              <a:t>konzentriere </a:t>
+            </a:r>
+            <a:r>
+              <a:rPr lang="de-DE" dirty="0"/>
+              <a:t>oder wenn </a:t>
+            </a:r>
+            <a:r>
+              <a:rPr lang="de-DE" dirty="0" smtClean="0"/>
+              <a:t/>
+            </a:r>
+            <a:br>
+              <a:rPr lang="de-DE" dirty="0" smtClean="0"/>
+            </a:br>
+            <a:r>
+              <a:rPr lang="de-DE" dirty="0" smtClean="0"/>
+              <a:t>ich mehrere Dinge gleichzeitig mache. </a:t>
+            </a:r>
+            <a:r>
+              <a:rPr lang="de-DE" dirty="0"/>
+              <a:t>Wann </a:t>
+            </a:r>
+            <a:r>
+              <a:rPr lang="de-DE" dirty="0" smtClean="0"/>
+              <a:t>bin ich effizienter </a:t>
+            </a:r>
+            <a:r>
+              <a:rPr lang="de-DE" dirty="0"/>
+              <a:t>und/oder effektiver?</a:t>
             </a:r>
           </a:p>
           <a:p>
@@ -1786,8 +1959,27 @@
               </a:spcBef>
             </a:pPr>
             <a:r>
-              <a:rPr lang="de-DE" dirty="0"/>
-              <a:t>Ich bekomme eine Wahrnehmung dafür, ob ich Spaß bei einer Aufgabe hatte. Wenn die 25 Minuten schnell vergangen sind, weiß ich, dass ich etwas Cooles gemacht </a:t>
+              <a:rPr lang="de-DE" dirty="0" smtClean="0"/>
+              <a:t>Ich </a:t>
+            </a:r>
+            <a:r>
+              <a:rPr lang="de-DE" dirty="0"/>
+              <a:t>bekomme eine Wahrnehmung dafür, ob ich Spaß bei einer Aufgabe hatte. Wenn die 25 Minuten schnell </a:t>
+            </a:r>
+            <a:r>
+              <a:rPr lang="de-DE" dirty="0" smtClean="0"/>
+              <a:t/>
+            </a:r>
+            <a:br>
+              <a:rPr lang="de-DE" dirty="0" smtClean="0"/>
+            </a:br>
+            <a:r>
+              <a:rPr lang="de-DE" dirty="0" smtClean="0"/>
+              <a:t>vergangen </a:t>
+            </a:r>
+            <a:r>
+              <a:rPr lang="de-DE" dirty="0"/>
+              <a:t>sind, weiß ich, dass ich etwas Cooles gemacht </a:t>
             </a:r>
             <a:r>
               <a:rPr lang="de-DE" dirty="0" smtClean="0"/>
@@ -1795,7 +1987,22 @@
             </a:r>
             <a:r>
               <a:rPr lang="de-DE" dirty="0"/>
-              <a:t>merke auch, was „Zeitfresser“ sind, also Tätigkeiten, die weder besonders wichtig noch sehr effektiv sind, aber viel Zeit in Anspruch nehmen.</a:t>
+              <a:t>merke auch, was „Zeitfresser“ sind, </a:t>
+            </a:r>
+            <a:r>
+              <a:rPr lang="de-DE" dirty="0" smtClean="0"/>
+              <a:t/>
+            </a:r>
+            <a:br>
+              <a:rPr lang="de-DE" dirty="0" smtClean="0"/>
+            </a:br>
+            <a:r>
+              <a:rPr lang="de-DE" dirty="0" smtClean="0"/>
+              <a:t>also </a:t>
+            </a:r>
+            <a:r>
+              <a:rPr lang="de-DE" dirty="0"/>
+              <a:t>Tätigkeiten, die weder besonders wichtig noch sehr effektiv sind, aber viel Zeit in Anspruch nehmen.</a:t>
             </a:r>
           </a:p>
           <a:p>
@@ -1808,23 +2015,15 @@
               </a:spcBef>
             </a:pPr>
             <a:r>
-              <a:rPr lang="de-DE" dirty="0"/>
+              <a:rPr lang="de-DE" dirty="0" smtClean="0"/>
               <a:t>Die Erinnerung, dass die Zeit um ist, kann als „Wecker“ dienen, wenn ich mich zu sehr in etwas verloren bzw. </a:t>
             </a:r>
-            <a:r>
-              <a:rPr lang="de-DE" dirty="0" smtClean="0"/>
-              <a:t/>
-            </a:r>
             <a:br>
               <a:rPr lang="de-DE" dirty="0" smtClean="0"/>
             </a:br>
             <a:r>
               <a:rPr lang="de-DE" dirty="0" smtClean="0"/>
-              <a:t>verbissen </a:t>
-            </a:r>
-            <a:r>
-              <a:rPr lang="de-DE" dirty="0"/>
-              <a:t>habe.</a:t>
+              <a:t>verbissen habe.</a:t>
             </a:r>
           </a:p>
           <a:p>
@@ -1837,8 +2036,12 @@
               </a:spcBef>
             </a:pPr>
             <a:r>
-              <a:rPr lang="de-DE" dirty="0"/>
-              <a:t>Am Ende der gemessenen Zeit ist die Reflexion wichtig: </a:t>
+              <a:rPr lang="de-DE" dirty="0" smtClean="0"/>
+              <a:t>Am </a:t>
+            </a:r>
+            <a:r>
+              <a:rPr lang="de-DE" dirty="0"/>
+              <a:t>Ende der gemessenen Zeit ist die Reflexion wichtig: </a:t>
             </a:r>
           </a:p>
           <a:p>
@@ -1907,6 +2110,74 @@
               </a:spcBef>
             </a:pPr>
             <a:endParaRPr lang="de-DE" dirty="0"/>
+          </a:p>
+        </p:txBody>
+      </p:sp>
+      <p:sp>
+        <p:nvSpPr>
+          <p:cNvPr id="2" name="Textfeld 1"/>
+          <p:cNvSpPr txBox="1"/>
+          <p:nvPr/>
+        </p:nvSpPr>
+        <p:spPr>
+          <a:xfrm>
+            <a:off x="5201920" y="4686515"/>
+            <a:ext cx="1706880" cy="338554"/>
+          </a:xfrm>
+          <a:prstGeom prst="rect">
+            <a:avLst/>
+          </a:prstGeom>
+          <a:noFill/>
+        </p:spPr>
+        <p:txBody>
+          <a:bodyPr wrap="square" rtlCol="0">
+            <a:spAutoFit/>
+          </a:bodyPr>
+          <a:lstStyle/>
+          <a:p>
+            <a:r>
+              <a:rPr lang="de-DE" sz="800" dirty="0">
+                <a:solidFill>
+                  <a:srgbClr val="5D5E5F"/>
+                </a:solidFill>
+                <a:latin typeface="Avenir Light"/>
+                <a:cs typeface="Avenir Light"/>
+              </a:rPr>
+              <a:t>1 </a:t>
+            </a:r>
+            <a:r>
+              <a:rPr lang="de-DE" sz="800" dirty="0" err="1">
+                <a:solidFill>
+                  <a:srgbClr val="5D5E5F"/>
+                </a:solidFill>
+                <a:latin typeface="Avenir Light"/>
+                <a:cs typeface="Avenir Light"/>
+              </a:rPr>
+              <a:t>www.pomodorotechnique.com</a:t>
+            </a:r>
+            <a:r>
+              <a:rPr lang="de-DE" sz="800" dirty="0">
+                <a:solidFill>
+                  <a:srgbClr val="5D5E5F"/>
+                </a:solidFill>
+                <a:latin typeface="Avenir Light"/>
+                <a:cs typeface="Avenir Light"/>
+              </a:rPr>
+              <a:t> </a:t>
+            </a:r>
+            <a:endParaRPr lang="de-DE" sz="800" dirty="0">
+              <a:solidFill>
+                <a:srgbClr val="5D5E5F"/>
+              </a:solidFill>
+              <a:latin typeface="Avenir Light"/>
+              <a:cs typeface="Avenir Light"/>
+            </a:endParaRPr>
+          </a:p>
+          <a:p>
+            <a:endParaRPr lang="de-DE" sz="800" dirty="0">
+              <a:latin typeface="Avenir Light"/>
+              <a:cs typeface="Avenir Light"/>
+            </a:endParaRPr>
           </a:p>
         </p:txBody>
       </p:sp>
@@ -1967,7 +2238,15 @@
             </a:pPr>
             <a:r>
               <a:rPr lang="de-DE" sz="1200" dirty="0"/>
-              <a:t>Um Deine Wahrnehmung zu schulen, was Du in 25 min arbeitest, schaue Dir </a:t>
+              <a:t>Um Deine Wahrnehmung zu schulen, was Du in 25 </a:t>
+            </a:r>
+            <a:r>
+              <a:rPr lang="de-DE" sz="1200" dirty="0" smtClean="0"/>
+              <a:t>min. </a:t>
+            </a:r>
+            <a:r>
+              <a:rPr lang="de-DE" sz="1200" dirty="0"/>
+              <a:t>arbeitest, schaue Dir </a:t>
             </a:r>
             <a:r>
               <a:rPr lang="de-DE" sz="1200" dirty="0" smtClean="0"/>
@@ -1985,12 +2264,12 @@
               <a:t>2 Wochen mindestens 8 mal an, </a:t>
             </a:r>
             <a:r>
-              <a:rPr lang="de-DE" sz="1200" dirty="0" err="1"/>
-              <a:t>wieviel</a:t>
+              <a:rPr lang="de-DE" sz="1200" dirty="0" smtClean="0"/>
+              <a:t>wie viel </a:t>
             </a:r>
             <a:r>
               <a:rPr lang="de-DE" sz="1200" dirty="0"/>
-              <a:t> Du in dieser Zeitspanne ohne besondere Anstrengung bewältigst. </a:t>
+              <a:t>Du in dieser Zeitspanne ohne besondere Anstrengung bewältigst. </a:t>
             </a:r>
             <a:r>
               <a:rPr lang="de-DE" sz="1200" dirty="0" smtClean="0"/>
